--- a/assets/ppt/URL.pptx
+++ b/assets/ppt/URL.pptx
@@ -6,6 +6,7 @@
   </p:sldMasterIdLst>
   <p:sldIdLst>
     <p:sldId id="256" r:id="rId2"/>
+    <p:sldId id="257" r:id="rId3"/>
   </p:sldIdLst>
   <p:sldSz cx="12192000" cy="6858000"/>
   <p:notesSz cx="6858000" cy="9144000"/>
@@ -3769,6 +3770,353 @@
 </p:sld>
 </file>
 
+<file path=ppt/slides/slide2.xml><?xml version="1.0" encoding="utf-8"?>
+<p:sld xmlns:a="http://schemas.openxmlformats.org/drawingml/2006/main" xmlns:r="http://schemas.openxmlformats.org/officeDocument/2006/relationships" xmlns:p="http://schemas.openxmlformats.org/presentationml/2006/main">
+  <p:cSld>
+    <p:spTree>
+      <p:nvGrpSpPr>
+        <p:cNvPr id="1" name=""/>
+        <p:cNvGrpSpPr/>
+        <p:nvPr/>
+      </p:nvGrpSpPr>
+      <p:grpSpPr>
+        <a:xfrm>
+          <a:off x="0" y="0"/>
+          <a:ext cx="0" cy="0"/>
+          <a:chOff x="0" y="0"/>
+          <a:chExt cx="0" cy="0"/>
+        </a:xfrm>
+      </p:grpSpPr>
+      <p:grpSp>
+        <p:nvGrpSpPr>
+          <p:cNvPr id="9" name="그룹 8">
+            <a:extLst>
+              <a:ext uri="{FF2B5EF4-FFF2-40B4-BE49-F238E27FC236}">
+                <a16:creationId xmlns:a16="http://schemas.microsoft.com/office/drawing/2014/main" id="{5690CBF0-85B1-4A05-AEF2-1B678791CBD2}"/>
+              </a:ext>
+            </a:extLst>
+          </p:cNvPr>
+          <p:cNvGrpSpPr/>
+          <p:nvPr/>
+        </p:nvGrpSpPr>
+        <p:grpSpPr>
+          <a:xfrm>
+            <a:off x="4397406" y="763478"/>
+            <a:ext cx="3290662" cy="1793291"/>
+            <a:chOff x="4397406" y="763478"/>
+            <a:chExt cx="3290662" cy="1793291"/>
+          </a:xfrm>
+        </p:grpSpPr>
+        <p:sp>
+          <p:nvSpPr>
+            <p:cNvPr id="4" name="직사각형 3">
+              <a:extLst>
+                <a:ext uri="{FF2B5EF4-FFF2-40B4-BE49-F238E27FC236}">
+                  <a16:creationId xmlns:a16="http://schemas.microsoft.com/office/drawing/2014/main" id="{8AFA58E6-B76E-4B3D-8233-4A3CD1E93021}"/>
+                </a:ext>
+              </a:extLst>
+            </p:cNvPr>
+            <p:cNvSpPr/>
+            <p:nvPr/>
+          </p:nvSpPr>
+          <p:spPr>
+            <a:xfrm>
+              <a:off x="4397406" y="763478"/>
+              <a:ext cx="3237390" cy="896645"/>
+            </a:xfrm>
+            <a:prstGeom prst="rect">
+              <a:avLst/>
+            </a:prstGeom>
+            <a:noFill/>
+            <a:ln w="19050">
+              <a:noFill/>
+            </a:ln>
+          </p:spPr>
+          <p:style>
+            <a:lnRef idx="2">
+              <a:schemeClr val="accent1">
+                <a:shade val="50000"/>
+              </a:schemeClr>
+            </a:lnRef>
+            <a:fillRef idx="1">
+              <a:schemeClr val="accent1"/>
+            </a:fillRef>
+            <a:effectRef idx="0">
+              <a:schemeClr val="accent1"/>
+            </a:effectRef>
+            <a:fontRef idx="minor">
+              <a:schemeClr val="lt1"/>
+            </a:fontRef>
+          </p:style>
+          <p:txBody>
+            <a:bodyPr rtlCol="0" anchor="ctr"/>
+            <a:lstStyle/>
+            <a:p>
+              <a:pPr algn="ctr"/>
+              <a:r>
+                <a:rPr lang="en-US" altLang="ko-KR" sz="2400" b="1" dirty="0">
+                  <a:solidFill>
+                    <a:schemeClr val="tx1"/>
+                  </a:solidFill>
+                </a:rPr>
+                <a:t>www.wikibook.co.kr</a:t>
+              </a:r>
+              <a:endParaRPr lang="ko-KR" altLang="en-US" sz="2400" b="1" dirty="0">
+                <a:solidFill>
+                  <a:schemeClr val="tx1"/>
+                </a:solidFill>
+              </a:endParaRPr>
+            </a:p>
+          </p:txBody>
+        </p:sp>
+        <p:sp>
+          <p:nvSpPr>
+            <p:cNvPr id="5" name="직사각형 4">
+              <a:extLst>
+                <a:ext uri="{FF2B5EF4-FFF2-40B4-BE49-F238E27FC236}">
+                  <a16:creationId xmlns:a16="http://schemas.microsoft.com/office/drawing/2014/main" id="{2AACA3DC-EAC3-4CD0-876E-F8083B021AFB}"/>
+                </a:ext>
+              </a:extLst>
+            </p:cNvPr>
+            <p:cNvSpPr/>
+            <p:nvPr/>
+          </p:nvSpPr>
+          <p:spPr>
+            <a:xfrm>
+              <a:off x="4440321" y="1899821"/>
+              <a:ext cx="952869" cy="656948"/>
+            </a:xfrm>
+            <a:prstGeom prst="rect">
+              <a:avLst/>
+            </a:prstGeom>
+            <a:noFill/>
+            <a:ln w="19050">
+              <a:solidFill>
+                <a:schemeClr val="tx1">
+                  <a:lumMod val="50000"/>
+                  <a:lumOff val="50000"/>
+                </a:schemeClr>
+              </a:solidFill>
+            </a:ln>
+          </p:spPr>
+          <p:style>
+            <a:lnRef idx="2">
+              <a:schemeClr val="accent1">
+                <a:shade val="50000"/>
+              </a:schemeClr>
+            </a:lnRef>
+            <a:fillRef idx="1">
+              <a:schemeClr val="accent1"/>
+            </a:fillRef>
+            <a:effectRef idx="0">
+              <a:schemeClr val="accent1"/>
+            </a:effectRef>
+            <a:fontRef idx="minor">
+              <a:schemeClr val="lt1"/>
+            </a:fontRef>
+          </p:style>
+          <p:txBody>
+            <a:bodyPr rtlCol="0" anchor="ctr"/>
+            <a:lstStyle/>
+            <a:p>
+              <a:pPr algn="ctr"/>
+              <a:r>
+                <a:rPr lang="en-US" altLang="ko-KR" sz="2000" b="1" dirty="0">
+                  <a:solidFill>
+                    <a:schemeClr val="tx1">
+                      <a:lumMod val="65000"/>
+                      <a:lumOff val="35000"/>
+                    </a:schemeClr>
+                  </a:solidFill>
+                </a:rPr>
+                <a:t>www</a:t>
+              </a:r>
+              <a:endParaRPr lang="ko-KR" altLang="en-US" b="1" dirty="0">
+                <a:solidFill>
+                  <a:schemeClr val="tx1">
+                    <a:lumMod val="65000"/>
+                    <a:lumOff val="35000"/>
+                  </a:schemeClr>
+                </a:solidFill>
+              </a:endParaRPr>
+            </a:p>
+          </p:txBody>
+        </p:sp>
+        <p:sp>
+          <p:nvSpPr>
+            <p:cNvPr id="6" name="TextBox 5">
+              <a:extLst>
+                <a:ext uri="{FF2B5EF4-FFF2-40B4-BE49-F238E27FC236}">
+                  <a16:creationId xmlns:a16="http://schemas.microsoft.com/office/drawing/2014/main" id="{AED9051A-D9D1-4DB4-BD7F-2256BEE96AD3}"/>
+                </a:ext>
+              </a:extLst>
+            </p:cNvPr>
+            <p:cNvSpPr txBox="1"/>
+            <p:nvPr/>
+          </p:nvSpPr>
+          <p:spPr>
+            <a:xfrm>
+              <a:off x="4473612" y="1475457"/>
+              <a:ext cx="886286" cy="369332"/>
+            </a:xfrm>
+            <a:prstGeom prst="rect">
+              <a:avLst/>
+            </a:prstGeom>
+            <a:noFill/>
+          </p:spPr>
+          <p:txBody>
+            <a:bodyPr wrap="square" rtlCol="0">
+              <a:spAutoFit/>
+            </a:bodyPr>
+            <a:lstStyle/>
+            <a:p>
+              <a:r>
+                <a:rPr lang="ko-KR" altLang="en-US" b="1">
+                  <a:solidFill>
+                    <a:schemeClr val="accent1"/>
+                  </a:solidFill>
+                </a:rPr>
+                <a:t>로컬명</a:t>
+              </a:r>
+              <a:endParaRPr lang="ko-KR" altLang="en-US" b="1" dirty="0">
+                <a:solidFill>
+                  <a:schemeClr val="accent1"/>
+                </a:solidFill>
+              </a:endParaRPr>
+            </a:p>
+          </p:txBody>
+        </p:sp>
+        <p:sp>
+          <p:nvSpPr>
+            <p:cNvPr id="7" name="직사각형 6">
+              <a:extLst>
+                <a:ext uri="{FF2B5EF4-FFF2-40B4-BE49-F238E27FC236}">
+                  <a16:creationId xmlns:a16="http://schemas.microsoft.com/office/drawing/2014/main" id="{225EAEDB-987A-4B99-9E98-9C6074DFD8FB}"/>
+                </a:ext>
+              </a:extLst>
+            </p:cNvPr>
+            <p:cNvSpPr/>
+            <p:nvPr/>
+          </p:nvSpPr>
+          <p:spPr>
+            <a:xfrm>
+              <a:off x="5505641" y="1899821"/>
+              <a:ext cx="2182427" cy="656948"/>
+            </a:xfrm>
+            <a:prstGeom prst="rect">
+              <a:avLst/>
+            </a:prstGeom>
+            <a:noFill/>
+            <a:ln w="19050">
+              <a:solidFill>
+                <a:schemeClr val="tx1">
+                  <a:lumMod val="50000"/>
+                  <a:lumOff val="50000"/>
+                </a:schemeClr>
+              </a:solidFill>
+            </a:ln>
+          </p:spPr>
+          <p:style>
+            <a:lnRef idx="2">
+              <a:schemeClr val="accent1">
+                <a:shade val="50000"/>
+              </a:schemeClr>
+            </a:lnRef>
+            <a:fillRef idx="1">
+              <a:schemeClr val="accent1"/>
+            </a:fillRef>
+            <a:effectRef idx="0">
+              <a:schemeClr val="accent1"/>
+            </a:effectRef>
+            <a:fontRef idx="minor">
+              <a:schemeClr val="lt1"/>
+            </a:fontRef>
+          </p:style>
+          <p:txBody>
+            <a:bodyPr rtlCol="0" anchor="ctr"/>
+            <a:lstStyle/>
+            <a:p>
+              <a:pPr algn="ctr"/>
+              <a:r>
+                <a:rPr lang="en-US" altLang="ko-KR" sz="2000" b="1" dirty="0">
+                  <a:solidFill>
+                    <a:schemeClr val="tx1">
+                      <a:lumMod val="65000"/>
+                      <a:lumOff val="35000"/>
+                    </a:schemeClr>
+                  </a:solidFill>
+                </a:rPr>
+                <a:t>wikibook.co.kr</a:t>
+              </a:r>
+              <a:endParaRPr lang="ko-KR" altLang="en-US" sz="2000" b="1" dirty="0">
+                <a:solidFill>
+                  <a:schemeClr val="tx1">
+                    <a:lumMod val="65000"/>
+                    <a:lumOff val="35000"/>
+                  </a:schemeClr>
+                </a:solidFill>
+              </a:endParaRPr>
+            </a:p>
+          </p:txBody>
+        </p:sp>
+        <p:sp>
+          <p:nvSpPr>
+            <p:cNvPr id="8" name="TextBox 7">
+              <a:extLst>
+                <a:ext uri="{FF2B5EF4-FFF2-40B4-BE49-F238E27FC236}">
+                  <a16:creationId xmlns:a16="http://schemas.microsoft.com/office/drawing/2014/main" id="{DE81940D-7D93-41D1-88B6-481FEE907F77}"/>
+                </a:ext>
+              </a:extLst>
+            </p:cNvPr>
+            <p:cNvSpPr txBox="1"/>
+            <p:nvPr/>
+          </p:nvSpPr>
+          <p:spPr>
+            <a:xfrm>
+              <a:off x="5765682" y="1475457"/>
+              <a:ext cx="1662343" cy="369332"/>
+            </a:xfrm>
+            <a:prstGeom prst="rect">
+              <a:avLst/>
+            </a:prstGeom>
+            <a:noFill/>
+          </p:spPr>
+          <p:txBody>
+            <a:bodyPr wrap="square" rtlCol="0">
+              <a:spAutoFit/>
+            </a:bodyPr>
+            <a:lstStyle/>
+            <a:p>
+              <a:r>
+                <a:rPr lang="ko-KR" altLang="en-US" b="1">
+                  <a:solidFill>
+                    <a:schemeClr val="accent1"/>
+                  </a:solidFill>
+                </a:rPr>
+                <a:t>부모 도메인명</a:t>
+              </a:r>
+              <a:endParaRPr lang="ko-KR" altLang="en-US" b="1" dirty="0">
+                <a:solidFill>
+                  <a:schemeClr val="accent1"/>
+                </a:solidFill>
+              </a:endParaRPr>
+            </a:p>
+          </p:txBody>
+        </p:sp>
+      </p:grpSp>
+    </p:spTree>
+    <p:extLst>
+      <p:ext uri="{BB962C8B-B14F-4D97-AF65-F5344CB8AC3E}">
+        <p14:creationId xmlns:p14="http://schemas.microsoft.com/office/powerpoint/2010/main" val="3698431385"/>
+      </p:ext>
+    </p:extLst>
+  </p:cSld>
+  <p:clrMapOvr>
+    <a:masterClrMapping/>
+  </p:clrMapOvr>
+</p:sld>
+</file>
+
 <file path=ppt/theme/theme1.xml><?xml version="1.0" encoding="utf-8"?>
 <a:theme xmlns:a="http://schemas.openxmlformats.org/drawingml/2006/main" name="Office 테마">
   <a:themeElements>
